--- a/docs/using_matlabdev_repository.pptx
+++ b/docs/using_matlabdev_repository.pptx
@@ -7,9 +7,11 @@
   <p:sldIdLst>
     <p:sldId id="256" r:id="rId2"/>
     <p:sldId id="257" r:id="rId3"/>
+    <p:sldId id="258" r:id="rId4"/>
+    <p:sldId id="259" r:id="rId5"/>
   </p:sldIdLst>
   <p:sldSz cx="9144000" cy="6858000" type="screen4x3"/>
-  <p:notesSz cx="6858000" cy="9144000"/>
+  <p:notesSz cx="7099300" cy="10234613"/>
   <p:defaultTextStyle>
     <a:defPPr>
       <a:defRPr lang="de-DE"/>
@@ -3195,13 +3197,9 @@
           <a:p>
             <a:r>
               <a:rPr lang="en-US" dirty="0" smtClean="0"/>
-              <a:t>IDE and compilation </a:t>
-            </a:r>
-            <a:r>
-              <a:rPr lang="en-US" smtClean="0"/>
-              <a:t>tools supported</a:t>
-            </a:r>
-            <a:endParaRPr lang="de-DE"/>
+              <a:t>IDE and compilation tools supported</a:t>
+            </a:r>
+            <a:endParaRPr lang="de-DE" dirty="0"/>
           </a:p>
         </p:txBody>
       </p:sp>
@@ -3220,7 +3218,49 @@
           <a:bodyPr/>
           <a:lstStyle/>
           <a:p>
-            <a:endParaRPr lang="de-DE"/>
+            <a:r>
+              <a:rPr lang="en-US" dirty="0" smtClean="0"/>
+              <a:t>QT with </a:t>
+            </a:r>
+            <a:r>
+              <a:rPr lang="en-US" dirty="0" err="1" smtClean="0"/>
+              <a:t>qtcreateor</a:t>
+            </a:r>
+            <a:r>
+              <a:rPr lang="en-US" dirty="0" smtClean="0"/>
+              <a:t>.</a:t>
+            </a:r>
+            <a:br>
+              <a:rPr lang="en-US" dirty="0" smtClean="0"/>
+            </a:br>
+            <a:r>
+              <a:rPr lang="en-US" dirty="0" smtClean="0"/>
+              <a:t>Currently tested only for LINUX</a:t>
+            </a:r>
+          </a:p>
+          <a:p>
+            <a:r>
+              <a:rPr lang="en-US" dirty="0" smtClean="0"/>
+              <a:t>Visual Studio</a:t>
+            </a:r>
+          </a:p>
+          <a:p>
+            <a:r>
+              <a:rPr lang="en-US" dirty="0" err="1" smtClean="0"/>
+              <a:t>Makefile</a:t>
+            </a:r>
+            <a:r>
+              <a:rPr lang="en-US" dirty="0" smtClean="0"/>
+              <a:t/>
+            </a:r>
+            <a:br>
+              <a:rPr lang="en-US" dirty="0" smtClean="0"/>
+            </a:br>
+            <a:r>
+              <a:rPr lang="en-US" dirty="0" smtClean="0"/>
+              <a:t>Works for LINUX and WINDOWS</a:t>
+            </a:r>
+            <a:endParaRPr lang="de-DE" dirty="0"/>
           </a:p>
         </p:txBody>
       </p:sp>
@@ -3228,6 +3268,248 @@
     <p:extLst>
       <p:ext uri="{BB962C8B-B14F-4D97-AF65-F5344CB8AC3E}">
         <p14:creationId xmlns:p14="http://schemas.microsoft.com/office/powerpoint/2010/main" val="1799229179"/>
+      </p:ext>
+    </p:extLst>
+  </p:cSld>
+  <p:clrMapOvr>
+    <a:masterClrMapping/>
+  </p:clrMapOvr>
+</p:sld>
+</file>
+
+<file path=ppt/slides/slide3.xml><?xml version="1.0" encoding="utf-8"?>
+<p:sld xmlns:a="http://schemas.openxmlformats.org/drawingml/2006/main" xmlns:r="http://schemas.openxmlformats.org/officeDocument/2006/relationships" xmlns:p="http://schemas.openxmlformats.org/presentationml/2006/main">
+  <p:cSld>
+    <p:spTree>
+      <p:nvGrpSpPr>
+        <p:cNvPr id="1" name=""/>
+        <p:cNvGrpSpPr/>
+        <p:nvPr/>
+      </p:nvGrpSpPr>
+      <p:grpSpPr>
+        <a:xfrm>
+          <a:off x="0" y="0"/>
+          <a:ext cx="0" cy="0"/>
+          <a:chOff x="0" y="0"/>
+          <a:chExt cx="0" cy="0"/>
+        </a:xfrm>
+      </p:grpSpPr>
+      <p:sp>
+        <p:nvSpPr>
+          <p:cNvPr id="2" name="Title 1"/>
+          <p:cNvSpPr>
+            <a:spLocks noGrp="1"/>
+          </p:cNvSpPr>
+          <p:nvPr>
+            <p:ph type="title"/>
+          </p:nvPr>
+        </p:nvSpPr>
+        <p:spPr/>
+        <p:txBody>
+          <a:bodyPr/>
+          <a:lstStyle/>
+          <a:p>
+            <a:r>
+              <a:rPr lang="en-US" dirty="0" smtClean="0"/>
+              <a:t>QT with </a:t>
+            </a:r>
+            <a:r>
+              <a:rPr lang="en-US" dirty="0" err="1" smtClean="0"/>
+              <a:t>qtcreateor</a:t>
+            </a:r>
+            <a:r>
+              <a:rPr lang="en-US" dirty="0" smtClean="0"/>
+              <a:t>.</a:t>
+            </a:r>
+            <a:endParaRPr lang="de-DE" dirty="0"/>
+          </a:p>
+        </p:txBody>
+      </p:sp>
+      <p:sp>
+        <p:nvSpPr>
+          <p:cNvPr id="3" name="Content Placeholder 2"/>
+          <p:cNvSpPr>
+            <a:spLocks noGrp="1"/>
+          </p:cNvSpPr>
+          <p:nvPr>
+            <p:ph idx="1"/>
+          </p:nvPr>
+        </p:nvSpPr>
+        <p:spPr/>
+        <p:txBody>
+          <a:bodyPr/>
+          <a:lstStyle/>
+          <a:p>
+            <a:r>
+              <a:rPr lang="en-US" dirty="0" smtClean="0"/>
+              <a:t>There is a file ‘</a:t>
+            </a:r>
+            <a:r>
+              <a:rPr lang="en-US" dirty="0" err="1" smtClean="0"/>
+              <a:t>mex_common.pri</a:t>
+            </a:r>
+            <a:r>
+              <a:rPr lang="en-US" dirty="0" smtClean="0"/>
+              <a:t>’ in the ‘</a:t>
+            </a:r>
+            <a:r>
+              <a:rPr lang="en-US" dirty="0" err="1" smtClean="0"/>
+              <a:t>prj</a:t>
+            </a:r>
+            <a:r>
+              <a:rPr lang="en-US" dirty="0" smtClean="0"/>
+              <a:t>/common/</a:t>
+            </a:r>
+            <a:r>
+              <a:rPr lang="en-US" dirty="0" err="1" smtClean="0"/>
+              <a:t>common_qt</a:t>
+            </a:r>
+            <a:r>
+              <a:rPr lang="en-US" dirty="0" smtClean="0"/>
+              <a:t>’. Include this file from your project (pro or </a:t>
+            </a:r>
+            <a:r>
+              <a:rPr lang="en-US" dirty="0" err="1" smtClean="0"/>
+              <a:t>pri</a:t>
+            </a:r>
+            <a:r>
+              <a:rPr lang="en-US" dirty="0" smtClean="0"/>
+              <a:t>) file and you will be able to compile MATLAB MEX file</a:t>
+            </a:r>
+            <a:endParaRPr lang="de-DE" dirty="0"/>
+          </a:p>
+        </p:txBody>
+      </p:sp>
+      <p:pic>
+        <p:nvPicPr>
+          <p:cNvPr id="1027" name="Picture 3"/>
+          <p:cNvPicPr>
+            <a:picLocks noChangeAspect="1" noChangeArrowheads="1"/>
+          </p:cNvPicPr>
+          <p:nvPr/>
+        </p:nvPicPr>
+        <p:blipFill>
+          <a:blip r:embed="rId2">
+            <a:extLst>
+              <a:ext uri="{28A0092B-C50C-407E-A947-70E740481C1C}">
+                <a14:useLocalDpi xmlns:a14="http://schemas.microsoft.com/office/drawing/2010/main" val="0"/>
+              </a:ext>
+            </a:extLst>
+          </a:blip>
+          <a:srcRect/>
+          <a:stretch>
+            <a:fillRect/>
+          </a:stretch>
+        </p:blipFill>
+        <p:spPr bwMode="auto">
+          <a:xfrm>
+            <a:off x="1447800" y="3733800"/>
+            <a:ext cx="5343525" cy="2686050"/>
+          </a:xfrm>
+          <a:prstGeom prst="rect">
+            <a:avLst/>
+          </a:prstGeom>
+          <a:noFill/>
+          <a:ln>
+            <a:noFill/>
+          </a:ln>
+          <a:extLst>
+            <a:ext uri="{909E8E84-426E-40DD-AFC4-6F175D3DCCD1}">
+              <a14:hiddenFill xmlns:a14="http://schemas.microsoft.com/office/drawing/2010/main">
+                <a:solidFill>
+                  <a:schemeClr val="accent1"/>
+                </a:solidFill>
+              </a14:hiddenFill>
+            </a:ext>
+            <a:ext uri="{91240B29-F687-4F45-9708-019B960494DF}">
+              <a14:hiddenLine xmlns:a14="http://schemas.microsoft.com/office/drawing/2010/main" w="9525">
+                <a:solidFill>
+                  <a:schemeClr val="tx1"/>
+                </a:solidFill>
+                <a:miter lim="800000"/>
+                <a:headEnd/>
+                <a:tailEnd/>
+              </a14:hiddenLine>
+            </a:ext>
+          </a:extLst>
+        </p:spPr>
+      </p:pic>
+    </p:spTree>
+    <p:extLst>
+      <p:ext uri="{BB962C8B-B14F-4D97-AF65-F5344CB8AC3E}">
+        <p14:creationId xmlns:p14="http://schemas.microsoft.com/office/powerpoint/2010/main" val="2838477451"/>
+      </p:ext>
+    </p:extLst>
+  </p:cSld>
+  <p:clrMapOvr>
+    <a:masterClrMapping/>
+  </p:clrMapOvr>
+</p:sld>
+</file>
+
+<file path=ppt/slides/slide4.xml><?xml version="1.0" encoding="utf-8"?>
+<p:sld xmlns:a="http://schemas.openxmlformats.org/drawingml/2006/main" xmlns:r="http://schemas.openxmlformats.org/officeDocument/2006/relationships" xmlns:p="http://schemas.openxmlformats.org/presentationml/2006/main">
+  <p:cSld>
+    <p:spTree>
+      <p:nvGrpSpPr>
+        <p:cNvPr id="1" name=""/>
+        <p:cNvGrpSpPr/>
+        <p:nvPr/>
+      </p:nvGrpSpPr>
+      <p:grpSpPr>
+        <a:xfrm>
+          <a:off x="0" y="0"/>
+          <a:ext cx="0" cy="0"/>
+          <a:chOff x="0" y="0"/>
+          <a:chExt cx="0" cy="0"/>
+        </a:xfrm>
+      </p:grpSpPr>
+      <p:sp>
+        <p:nvSpPr>
+          <p:cNvPr id="2" name="Title 1"/>
+          <p:cNvSpPr>
+            <a:spLocks noGrp="1"/>
+          </p:cNvSpPr>
+          <p:nvPr>
+            <p:ph type="title"/>
+          </p:nvPr>
+        </p:nvSpPr>
+        <p:spPr/>
+        <p:txBody>
+          <a:bodyPr/>
+          <a:lstStyle/>
+          <a:p>
+            <a:r>
+              <a:rPr lang="en-US" smtClean="0"/>
+              <a:t>Visual Studio</a:t>
+            </a:r>
+            <a:endParaRPr lang="de-DE"/>
+          </a:p>
+        </p:txBody>
+      </p:sp>
+      <p:sp>
+        <p:nvSpPr>
+          <p:cNvPr id="3" name="Content Placeholder 2"/>
+          <p:cNvSpPr>
+            <a:spLocks noGrp="1"/>
+          </p:cNvSpPr>
+          <p:nvPr>
+            <p:ph idx="1"/>
+          </p:nvPr>
+        </p:nvSpPr>
+        <p:spPr/>
+        <p:txBody>
+          <a:bodyPr/>
+          <a:lstStyle/>
+          <a:p>
+            <a:endParaRPr lang="de-DE"/>
+          </a:p>
+        </p:txBody>
+      </p:sp>
+    </p:spTree>
+    <p:extLst>
+      <p:ext uri="{BB962C8B-B14F-4D97-AF65-F5344CB8AC3E}">
+        <p14:creationId xmlns:p14="http://schemas.microsoft.com/office/powerpoint/2010/main" val="2312815659"/>
       </p:ext>
     </p:extLst>
   </p:cSld>

--- a/docs/using_matlabdev_repository.pptx
+++ b/docs/using_matlabdev_repository.pptx
@@ -291,7 +291,7 @@
           <a:p>
             <a:fld id="{B952F97B-CC46-424B-BEFC-AEEA73671E8D}" type="datetimeFigureOut">
               <a:rPr lang="de-DE" smtClean="0"/>
-              <a:t>09.04.2020</a:t>
+              <a:t>14.04.2020</a:t>
             </a:fld>
             <a:endParaRPr lang="de-DE"/>
           </a:p>
@@ -461,7 +461,7 @@
           <a:p>
             <a:fld id="{B952F97B-CC46-424B-BEFC-AEEA73671E8D}" type="datetimeFigureOut">
               <a:rPr lang="de-DE" smtClean="0"/>
-              <a:t>09.04.2020</a:t>
+              <a:t>14.04.2020</a:t>
             </a:fld>
             <a:endParaRPr lang="de-DE"/>
           </a:p>
@@ -641,7 +641,7 @@
           <a:p>
             <a:fld id="{B952F97B-CC46-424B-BEFC-AEEA73671E8D}" type="datetimeFigureOut">
               <a:rPr lang="de-DE" smtClean="0"/>
-              <a:t>09.04.2020</a:t>
+              <a:t>14.04.2020</a:t>
             </a:fld>
             <a:endParaRPr lang="de-DE"/>
           </a:p>
@@ -811,7 +811,7 @@
           <a:p>
             <a:fld id="{B952F97B-CC46-424B-BEFC-AEEA73671E8D}" type="datetimeFigureOut">
               <a:rPr lang="de-DE" smtClean="0"/>
-              <a:t>09.04.2020</a:t>
+              <a:t>14.04.2020</a:t>
             </a:fld>
             <a:endParaRPr lang="de-DE"/>
           </a:p>
@@ -1057,7 +1057,7 @@
           <a:p>
             <a:fld id="{B952F97B-CC46-424B-BEFC-AEEA73671E8D}" type="datetimeFigureOut">
               <a:rPr lang="de-DE" smtClean="0"/>
-              <a:t>09.04.2020</a:t>
+              <a:t>14.04.2020</a:t>
             </a:fld>
             <a:endParaRPr lang="de-DE"/>
           </a:p>
@@ -1345,7 +1345,7 @@
           <a:p>
             <a:fld id="{B952F97B-CC46-424B-BEFC-AEEA73671E8D}" type="datetimeFigureOut">
               <a:rPr lang="de-DE" smtClean="0"/>
-              <a:t>09.04.2020</a:t>
+              <a:t>14.04.2020</a:t>
             </a:fld>
             <a:endParaRPr lang="de-DE"/>
           </a:p>
@@ -1767,7 +1767,7 @@
           <a:p>
             <a:fld id="{B952F97B-CC46-424B-BEFC-AEEA73671E8D}" type="datetimeFigureOut">
               <a:rPr lang="de-DE" smtClean="0"/>
-              <a:t>09.04.2020</a:t>
+              <a:t>14.04.2020</a:t>
             </a:fld>
             <a:endParaRPr lang="de-DE"/>
           </a:p>
@@ -1885,7 +1885,7 @@
           <a:p>
             <a:fld id="{B952F97B-CC46-424B-BEFC-AEEA73671E8D}" type="datetimeFigureOut">
               <a:rPr lang="de-DE" smtClean="0"/>
-              <a:t>09.04.2020</a:t>
+              <a:t>14.04.2020</a:t>
             </a:fld>
             <a:endParaRPr lang="de-DE"/>
           </a:p>
@@ -1980,7 +1980,7 @@
           <a:p>
             <a:fld id="{B952F97B-CC46-424B-BEFC-AEEA73671E8D}" type="datetimeFigureOut">
               <a:rPr lang="de-DE" smtClean="0"/>
-              <a:t>09.04.2020</a:t>
+              <a:t>14.04.2020</a:t>
             </a:fld>
             <a:endParaRPr lang="de-DE"/>
           </a:p>
@@ -2257,7 +2257,7 @@
           <a:p>
             <a:fld id="{B952F97B-CC46-424B-BEFC-AEEA73671E8D}" type="datetimeFigureOut">
               <a:rPr lang="de-DE" smtClean="0"/>
-              <a:t>09.04.2020</a:t>
+              <a:t>14.04.2020</a:t>
             </a:fld>
             <a:endParaRPr lang="de-DE"/>
           </a:p>
@@ -2510,7 +2510,7 @@
           <a:p>
             <a:fld id="{B952F97B-CC46-424B-BEFC-AEEA73671E8D}" type="datetimeFigureOut">
               <a:rPr lang="de-DE" smtClean="0"/>
-              <a:t>09.04.2020</a:t>
+              <a:t>14.04.2020</a:t>
             </a:fld>
             <a:endParaRPr lang="de-DE"/>
           </a:p>
@@ -2723,7 +2723,7 @@
           <a:p>
             <a:fld id="{B952F97B-CC46-424B-BEFC-AEEA73671E8D}" type="datetimeFigureOut">
               <a:rPr lang="de-DE" smtClean="0"/>
-              <a:t>09.04.2020</a:t>
+              <a:t>14.04.2020</a:t>
             </a:fld>
             <a:endParaRPr lang="de-DE"/>
           </a:p>
@@ -3502,7 +3502,68 @@
           <a:bodyPr/>
           <a:lstStyle/>
           <a:p>
-            <a:endParaRPr lang="de-DE"/>
+            <a:r>
+              <a:rPr lang="en-US" dirty="0" smtClean="0"/>
+              <a:t>Define variable ‘</a:t>
+            </a:r>
+            <a:r>
+              <a:rPr lang="en-US" dirty="0" err="1" smtClean="0"/>
+              <a:t>MatlabDevRoot</a:t>
+            </a:r>
+            <a:r>
+              <a:rPr lang="en-US" dirty="0" smtClean="0"/>
+              <a:t>’</a:t>
+            </a:r>
+          </a:p>
+          <a:p>
+            <a:r>
+              <a:rPr lang="en-US" dirty="0" smtClean="0"/>
+              <a:t>Then include ‘</a:t>
+            </a:r>
+            <a:r>
+              <a:rPr lang="en-US" dirty="0" err="1" smtClean="0"/>
+              <a:t>prj</a:t>
+            </a:r>
+            <a:r>
+              <a:rPr lang="en-US" dirty="0" smtClean="0"/>
+              <a:t>/common/</a:t>
+            </a:r>
+            <a:r>
+              <a:rPr lang="en-US" dirty="0" err="1" smtClean="0"/>
+              <a:t>common_vs</a:t>
+            </a:r>
+            <a:r>
+              <a:rPr lang="en-US" dirty="0" smtClean="0"/>
+              <a:t>/</a:t>
+            </a:r>
+            <a:r>
+              <a:rPr lang="en-US" dirty="0" err="1" smtClean="0"/>
+              <a:t>mex_common.props</a:t>
+            </a:r>
+            <a:r>
+              <a:rPr lang="en-US" dirty="0" smtClean="0"/>
+              <a:t>’ to your project</a:t>
+            </a:r>
+            <a:br>
+              <a:rPr lang="en-US" dirty="0" smtClean="0"/>
+            </a:br>
+            <a:r>
+              <a:rPr lang="en-US" dirty="0" smtClean="0"/>
+              <a:t>with these </a:t>
+            </a:r>
+            <a:r>
+              <a:rPr lang="en-US" smtClean="0"/>
+              <a:t>2 steps </a:t>
+            </a:r>
+            <a:r>
+              <a:rPr lang="en-US" dirty="0" smtClean="0"/>
+              <a:t>you </a:t>
+            </a:r>
+            <a:r>
+              <a:rPr lang="en-US" smtClean="0"/>
+              <a:t>ae done!</a:t>
+            </a:r>
+            <a:endParaRPr lang="de-DE" dirty="0"/>
           </a:p>
         </p:txBody>
       </p:sp>
